--- a/public/user/output/U201812791-刘棫欣-1.《喜马拉雅FM免费增值策略对用户留存的影响的实证研究》/output_7_6.pptx
+++ b/public/user/output/U201812791-刘棫欣-1.《喜马拉雅FM免费增值策略对用户留存的影响的实证研究》/output_7_6.pptx
@@ -3619,7 +3619,7 @@
               </a:defRPr>
             </a:pPr>
             <a:r>
-              <a:t>- 两收费节点衡量在0.01水平上显著负向影响付费转化率，且不影响模型其他解释变量解释性。</a:t>
+              <a:t>4. 两收费节点衡量显著负向影响付费转化率，对模型其他解释变量解释性无影响</a:t>
             </a:r>
           </a:p>
         </p:txBody>
@@ -3647,42 +3647,6 @@
           <a:lstStyle/>
           <a:p>
             <a:pPr>
-              <a:defRPr b="1" sz="2200">
-                <a:solidFill>
-                  <a:srgbClr val="000000"/>
-                </a:solidFill>
-                <a:latin typeface="微软雅黑"/>
-              </a:defRPr>
-            </a:pPr>
-            <a:r>
-              <a:t>3. 稳健性检验</a:t>
-            </a:r>
-          </a:p>
-        </p:txBody>
-      </p:sp>
-      <p:sp>
-        <p:nvSpPr>
-          <p:cNvPr id="7" name="TextBox 6"/>
-          <p:cNvSpPr txBox="1"/>
-          <p:nvPr/>
-        </p:nvSpPr>
-        <p:spPr>
-          <a:xfrm>
-            <a:off x="1371600" y="3383280"/>
-            <a:ext cx="9144000" cy="1371600"/>
-          </a:xfrm>
-          <a:prstGeom prst="rect">
-            <a:avLst/>
-          </a:prstGeom>
-          <a:noFill/>
-        </p:spPr>
-        <p:txBody>
-          <a:bodyPr wrap="square">
-            <a:spAutoFit/>
-          </a:bodyPr>
-          <a:lstStyle/>
-          <a:p>
-            <a:pPr>
               <a:defRPr b="0" sz="2000">
                 <a:solidFill>
                   <a:srgbClr val="000000"/>
@@ -3691,7 +3655,7 @@
               </a:defRPr>
             </a:pPr>
             <a:r>
-              <a:t>- 表5-3稳健性检验结果（注：括号中代表标准误）</a:t>
+              <a:t>5. 表 5 - 3：稳健性检验结果（注：括号中代表标准误） </a:t>
             </a:r>
           </a:p>
         </p:txBody>
